--- a/ppt 16-9/0218.东方明星.pptx
+++ b/ppt 16-9/0218.东方明星.pptx
@@ -129,7 +129,7 @@
           <p:cNvPr id="2" name="标题 1">
             <a:extLst>
               <a:ext uri="{FF2B5EF4-FFF2-40B4-BE49-F238E27FC236}">
-                <a16:creationId xmlns:a16="http://schemas.microsoft.com/office/drawing/2014/main" id="{F814E64A-A397-95B5-AD50-F5556BD0E69D}"/>
+                <a16:creationId xmlns:a16="http://schemas.microsoft.com/office/drawing/2014/main" id="{D41CB5A9-CC7A-D9FF-92CB-7A6A291E24B3}"/>
               </a:ext>
             </a:extLst>
           </p:cNvPr>
@@ -166,7 +166,7 @@
           <p:cNvPr id="3" name="副标题 2">
             <a:extLst>
               <a:ext uri="{FF2B5EF4-FFF2-40B4-BE49-F238E27FC236}">
-                <a16:creationId xmlns:a16="http://schemas.microsoft.com/office/drawing/2014/main" id="{73995BBF-B55C-7069-2338-190B4AA4F9DC}"/>
+                <a16:creationId xmlns:a16="http://schemas.microsoft.com/office/drawing/2014/main" id="{9577AFD4-913D-BF3C-643D-A39174BE2711}"/>
               </a:ext>
             </a:extLst>
           </p:cNvPr>
@@ -236,7 +236,7 @@
           <p:cNvPr id="4" name="日期占位符 3">
             <a:extLst>
               <a:ext uri="{FF2B5EF4-FFF2-40B4-BE49-F238E27FC236}">
-                <a16:creationId xmlns:a16="http://schemas.microsoft.com/office/drawing/2014/main" id="{A1D9347F-522F-69E6-E5DE-872A9ED6FB00}"/>
+                <a16:creationId xmlns:a16="http://schemas.microsoft.com/office/drawing/2014/main" id="{7547BF0C-1225-876B-5B29-CBEDCD0CE4C9}"/>
               </a:ext>
             </a:extLst>
           </p:cNvPr>
@@ -252,7 +252,7 @@
           <a:bodyPr/>
           <a:lstStyle/>
           <a:p>
-            <a:fld id="{999C8974-4E8A-4702-8BEB-E1F0564C2828}" type="datetimeFigureOut">
+            <a:fld id="{686A59AD-ABDD-406B-9EDD-13C9A8EF1976}" type="datetimeFigureOut">
               <a:rPr lang="zh-CN" altLang="en-US" smtClean="0"/>
               <a:t>2024/3/10</a:t>
             </a:fld>
@@ -265,7 +265,7 @@
           <p:cNvPr id="5" name="页脚占位符 4">
             <a:extLst>
               <a:ext uri="{FF2B5EF4-FFF2-40B4-BE49-F238E27FC236}">
-                <a16:creationId xmlns:a16="http://schemas.microsoft.com/office/drawing/2014/main" id="{CA3D69D4-CAD7-237E-BE7A-090A808B0738}"/>
+                <a16:creationId xmlns:a16="http://schemas.microsoft.com/office/drawing/2014/main" id="{F8CF1C60-7C8B-E11C-E7BB-F2494EEE7339}"/>
               </a:ext>
             </a:extLst>
           </p:cNvPr>
@@ -290,7 +290,7 @@
           <p:cNvPr id="6" name="灯片编号占位符 5">
             <a:extLst>
               <a:ext uri="{FF2B5EF4-FFF2-40B4-BE49-F238E27FC236}">
-                <a16:creationId xmlns:a16="http://schemas.microsoft.com/office/drawing/2014/main" id="{F0C2076B-143E-C77F-72CC-A85076E1FB0A}"/>
+                <a16:creationId xmlns:a16="http://schemas.microsoft.com/office/drawing/2014/main" id="{51BDE53F-B532-049D-E09E-3B1A19CC34D0}"/>
               </a:ext>
             </a:extLst>
           </p:cNvPr>
@@ -306,7 +306,7 @@
           <a:bodyPr/>
           <a:lstStyle/>
           <a:p>
-            <a:fld id="{F0064F1C-CB32-4C26-9F97-E07B67D65450}" type="slidenum">
+            <a:fld id="{A6171E4B-4B4D-4C95-95B8-3BBD5CF2BC15}" type="slidenum">
               <a:rPr lang="zh-CN" altLang="en-US" smtClean="0"/>
               <a:t>‹#›</a:t>
             </a:fld>
@@ -317,7 +317,7 @@
     </p:spTree>
     <p:extLst>
       <p:ext uri="{BB962C8B-B14F-4D97-AF65-F5344CB8AC3E}">
-        <p14:creationId xmlns:p14="http://schemas.microsoft.com/office/powerpoint/2010/main" val="301872610"/>
+        <p14:creationId xmlns:p14="http://schemas.microsoft.com/office/powerpoint/2010/main" val="1734659733"/>
       </p:ext>
     </p:extLst>
   </p:cSld>
@@ -349,7 +349,7 @@
           <p:cNvPr id="2" name="标题 1">
             <a:extLst>
               <a:ext uri="{FF2B5EF4-FFF2-40B4-BE49-F238E27FC236}">
-                <a16:creationId xmlns:a16="http://schemas.microsoft.com/office/drawing/2014/main" id="{EBB33F84-C5A5-97D8-8A03-1D6AB20A361B}"/>
+                <a16:creationId xmlns:a16="http://schemas.microsoft.com/office/drawing/2014/main" id="{A0C4F617-ED7B-CFBE-308E-D3D0311BA4C4}"/>
               </a:ext>
             </a:extLst>
           </p:cNvPr>
@@ -377,7 +377,7 @@
           <p:cNvPr id="3" name="竖排文字占位符 2">
             <a:extLst>
               <a:ext uri="{FF2B5EF4-FFF2-40B4-BE49-F238E27FC236}">
-                <a16:creationId xmlns:a16="http://schemas.microsoft.com/office/drawing/2014/main" id="{FEE9D68B-B475-BC65-AC65-4B28E71D51F0}"/>
+                <a16:creationId xmlns:a16="http://schemas.microsoft.com/office/drawing/2014/main" id="{AC1B1ED3-0C07-4D1D-EC54-E7AA90909EF1}"/>
               </a:ext>
             </a:extLst>
           </p:cNvPr>
@@ -434,7 +434,7 @@
           <p:cNvPr id="4" name="日期占位符 3">
             <a:extLst>
               <a:ext uri="{FF2B5EF4-FFF2-40B4-BE49-F238E27FC236}">
-                <a16:creationId xmlns:a16="http://schemas.microsoft.com/office/drawing/2014/main" id="{0DE2982A-6845-11E9-DD55-F74D8EF6C9BD}"/>
+                <a16:creationId xmlns:a16="http://schemas.microsoft.com/office/drawing/2014/main" id="{B650A601-89AE-4321-A975-2742F07CC797}"/>
               </a:ext>
             </a:extLst>
           </p:cNvPr>
@@ -450,7 +450,7 @@
           <a:bodyPr/>
           <a:lstStyle/>
           <a:p>
-            <a:fld id="{999C8974-4E8A-4702-8BEB-E1F0564C2828}" type="datetimeFigureOut">
+            <a:fld id="{686A59AD-ABDD-406B-9EDD-13C9A8EF1976}" type="datetimeFigureOut">
               <a:rPr lang="zh-CN" altLang="en-US" smtClean="0"/>
               <a:t>2024/3/10</a:t>
             </a:fld>
@@ -463,7 +463,7 @@
           <p:cNvPr id="5" name="页脚占位符 4">
             <a:extLst>
               <a:ext uri="{FF2B5EF4-FFF2-40B4-BE49-F238E27FC236}">
-                <a16:creationId xmlns:a16="http://schemas.microsoft.com/office/drawing/2014/main" id="{D52AAB75-5ADC-EE86-5567-F2B33B5A8FF7}"/>
+                <a16:creationId xmlns:a16="http://schemas.microsoft.com/office/drawing/2014/main" id="{001DEA99-DE6D-0538-3FD2-44C38C6542A5}"/>
               </a:ext>
             </a:extLst>
           </p:cNvPr>
@@ -488,7 +488,7 @@
           <p:cNvPr id="6" name="灯片编号占位符 5">
             <a:extLst>
               <a:ext uri="{FF2B5EF4-FFF2-40B4-BE49-F238E27FC236}">
-                <a16:creationId xmlns:a16="http://schemas.microsoft.com/office/drawing/2014/main" id="{42B4F72E-33D3-9B72-99FF-BAAC29E717A6}"/>
+                <a16:creationId xmlns:a16="http://schemas.microsoft.com/office/drawing/2014/main" id="{DA18770F-63F1-55EB-EF37-628825B82138}"/>
               </a:ext>
             </a:extLst>
           </p:cNvPr>
@@ -504,7 +504,7 @@
           <a:bodyPr/>
           <a:lstStyle/>
           <a:p>
-            <a:fld id="{F0064F1C-CB32-4C26-9F97-E07B67D65450}" type="slidenum">
+            <a:fld id="{A6171E4B-4B4D-4C95-95B8-3BBD5CF2BC15}" type="slidenum">
               <a:rPr lang="zh-CN" altLang="en-US" smtClean="0"/>
               <a:t>‹#›</a:t>
             </a:fld>
@@ -515,7 +515,7 @@
     </p:spTree>
     <p:extLst>
       <p:ext uri="{BB962C8B-B14F-4D97-AF65-F5344CB8AC3E}">
-        <p14:creationId xmlns:p14="http://schemas.microsoft.com/office/powerpoint/2010/main" val="2875848817"/>
+        <p14:creationId xmlns:p14="http://schemas.microsoft.com/office/powerpoint/2010/main" val="4167440595"/>
       </p:ext>
     </p:extLst>
   </p:cSld>
@@ -547,7 +547,7 @@
           <p:cNvPr id="2" name="竖排标题 1">
             <a:extLst>
               <a:ext uri="{FF2B5EF4-FFF2-40B4-BE49-F238E27FC236}">
-                <a16:creationId xmlns:a16="http://schemas.microsoft.com/office/drawing/2014/main" id="{F9C114A8-5337-1D22-F8FF-CBE45FCB2D3D}"/>
+                <a16:creationId xmlns:a16="http://schemas.microsoft.com/office/drawing/2014/main" id="{4198E1FD-7B34-77E9-F630-612014410F42}"/>
               </a:ext>
             </a:extLst>
           </p:cNvPr>
@@ -580,7 +580,7 @@
           <p:cNvPr id="3" name="竖排文字占位符 2">
             <a:extLst>
               <a:ext uri="{FF2B5EF4-FFF2-40B4-BE49-F238E27FC236}">
-                <a16:creationId xmlns:a16="http://schemas.microsoft.com/office/drawing/2014/main" id="{258C590F-FCEC-6EFF-E6F7-FDB498E5ABC0}"/>
+                <a16:creationId xmlns:a16="http://schemas.microsoft.com/office/drawing/2014/main" id="{DC0129C3-284E-9C85-99D7-C006C5208922}"/>
               </a:ext>
             </a:extLst>
           </p:cNvPr>
@@ -642,7 +642,7 @@
           <p:cNvPr id="4" name="日期占位符 3">
             <a:extLst>
               <a:ext uri="{FF2B5EF4-FFF2-40B4-BE49-F238E27FC236}">
-                <a16:creationId xmlns:a16="http://schemas.microsoft.com/office/drawing/2014/main" id="{DF9492E3-C607-2AF2-E80A-6BF13ED53A4F}"/>
+                <a16:creationId xmlns:a16="http://schemas.microsoft.com/office/drawing/2014/main" id="{00CBDB0D-9EBB-EE8C-E797-2BBDF5CF4E88}"/>
               </a:ext>
             </a:extLst>
           </p:cNvPr>
@@ -658,7 +658,7 @@
           <a:bodyPr/>
           <a:lstStyle/>
           <a:p>
-            <a:fld id="{999C8974-4E8A-4702-8BEB-E1F0564C2828}" type="datetimeFigureOut">
+            <a:fld id="{686A59AD-ABDD-406B-9EDD-13C9A8EF1976}" type="datetimeFigureOut">
               <a:rPr lang="zh-CN" altLang="en-US" smtClean="0"/>
               <a:t>2024/3/10</a:t>
             </a:fld>
@@ -671,7 +671,7 @@
           <p:cNvPr id="5" name="页脚占位符 4">
             <a:extLst>
               <a:ext uri="{FF2B5EF4-FFF2-40B4-BE49-F238E27FC236}">
-                <a16:creationId xmlns:a16="http://schemas.microsoft.com/office/drawing/2014/main" id="{03CB3909-F0F5-49A2-DC83-3B87BD7A30A3}"/>
+                <a16:creationId xmlns:a16="http://schemas.microsoft.com/office/drawing/2014/main" id="{4EEA6C0A-5969-C27D-18B3-17CA48012998}"/>
               </a:ext>
             </a:extLst>
           </p:cNvPr>
@@ -696,7 +696,7 @@
           <p:cNvPr id="6" name="灯片编号占位符 5">
             <a:extLst>
               <a:ext uri="{FF2B5EF4-FFF2-40B4-BE49-F238E27FC236}">
-                <a16:creationId xmlns:a16="http://schemas.microsoft.com/office/drawing/2014/main" id="{8F778EB5-E92F-F1C8-BD98-B8724F7DFA11}"/>
+                <a16:creationId xmlns:a16="http://schemas.microsoft.com/office/drawing/2014/main" id="{C0734ACD-5B54-AA07-D92C-5DCBA9E1CD02}"/>
               </a:ext>
             </a:extLst>
           </p:cNvPr>
@@ -712,7 +712,7 @@
           <a:bodyPr/>
           <a:lstStyle/>
           <a:p>
-            <a:fld id="{F0064F1C-CB32-4C26-9F97-E07B67D65450}" type="slidenum">
+            <a:fld id="{A6171E4B-4B4D-4C95-95B8-3BBD5CF2BC15}" type="slidenum">
               <a:rPr lang="zh-CN" altLang="en-US" smtClean="0"/>
               <a:t>‹#›</a:t>
             </a:fld>
@@ -723,7 +723,7 @@
     </p:spTree>
     <p:extLst>
       <p:ext uri="{BB962C8B-B14F-4D97-AF65-F5344CB8AC3E}">
-        <p14:creationId xmlns:p14="http://schemas.microsoft.com/office/powerpoint/2010/main" val="1626627635"/>
+        <p14:creationId xmlns:p14="http://schemas.microsoft.com/office/powerpoint/2010/main" val="3819460438"/>
       </p:ext>
     </p:extLst>
   </p:cSld>
@@ -755,7 +755,7 @@
           <p:cNvPr id="2" name="标题 1">
             <a:extLst>
               <a:ext uri="{FF2B5EF4-FFF2-40B4-BE49-F238E27FC236}">
-                <a16:creationId xmlns:a16="http://schemas.microsoft.com/office/drawing/2014/main" id="{7AF1E52A-A02D-4559-BD22-AD34E1C4D1B6}"/>
+                <a16:creationId xmlns:a16="http://schemas.microsoft.com/office/drawing/2014/main" id="{63DD5964-3384-E7F5-3AC9-99768AF86D28}"/>
               </a:ext>
             </a:extLst>
           </p:cNvPr>
@@ -783,7 +783,7 @@
           <p:cNvPr id="3" name="内容占位符 2">
             <a:extLst>
               <a:ext uri="{FF2B5EF4-FFF2-40B4-BE49-F238E27FC236}">
-                <a16:creationId xmlns:a16="http://schemas.microsoft.com/office/drawing/2014/main" id="{6DBAB6FF-4813-AFAA-BC5D-7DC764CB7AE3}"/>
+                <a16:creationId xmlns:a16="http://schemas.microsoft.com/office/drawing/2014/main" id="{8CFCA698-71F9-2146-F0FE-741F9A875EE4}"/>
               </a:ext>
             </a:extLst>
           </p:cNvPr>
@@ -840,7 +840,7 @@
           <p:cNvPr id="4" name="日期占位符 3">
             <a:extLst>
               <a:ext uri="{FF2B5EF4-FFF2-40B4-BE49-F238E27FC236}">
-                <a16:creationId xmlns:a16="http://schemas.microsoft.com/office/drawing/2014/main" id="{D0067417-C664-24C9-E311-4C9190364E83}"/>
+                <a16:creationId xmlns:a16="http://schemas.microsoft.com/office/drawing/2014/main" id="{F3A862EF-2BD5-F324-AFD8-431C9D1BAD7F}"/>
               </a:ext>
             </a:extLst>
           </p:cNvPr>
@@ -856,7 +856,7 @@
           <a:bodyPr/>
           <a:lstStyle/>
           <a:p>
-            <a:fld id="{999C8974-4E8A-4702-8BEB-E1F0564C2828}" type="datetimeFigureOut">
+            <a:fld id="{686A59AD-ABDD-406B-9EDD-13C9A8EF1976}" type="datetimeFigureOut">
               <a:rPr lang="zh-CN" altLang="en-US" smtClean="0"/>
               <a:t>2024/3/10</a:t>
             </a:fld>
@@ -869,7 +869,7 @@
           <p:cNvPr id="5" name="页脚占位符 4">
             <a:extLst>
               <a:ext uri="{FF2B5EF4-FFF2-40B4-BE49-F238E27FC236}">
-                <a16:creationId xmlns:a16="http://schemas.microsoft.com/office/drawing/2014/main" id="{ACC33E75-9719-1A6D-0CEC-12C22C210DBC}"/>
+                <a16:creationId xmlns:a16="http://schemas.microsoft.com/office/drawing/2014/main" id="{E904D128-7EDE-D5B7-0C1D-0F2986BDAF53}"/>
               </a:ext>
             </a:extLst>
           </p:cNvPr>
@@ -894,7 +894,7 @@
           <p:cNvPr id="6" name="灯片编号占位符 5">
             <a:extLst>
               <a:ext uri="{FF2B5EF4-FFF2-40B4-BE49-F238E27FC236}">
-                <a16:creationId xmlns:a16="http://schemas.microsoft.com/office/drawing/2014/main" id="{C270C9BD-BB1C-284F-3241-771B9C69F074}"/>
+                <a16:creationId xmlns:a16="http://schemas.microsoft.com/office/drawing/2014/main" id="{95E3A5B9-319F-3DC0-2DFD-BE26AE16C48E}"/>
               </a:ext>
             </a:extLst>
           </p:cNvPr>
@@ -910,7 +910,7 @@
           <a:bodyPr/>
           <a:lstStyle/>
           <a:p>
-            <a:fld id="{F0064F1C-CB32-4C26-9F97-E07B67D65450}" type="slidenum">
+            <a:fld id="{A6171E4B-4B4D-4C95-95B8-3BBD5CF2BC15}" type="slidenum">
               <a:rPr lang="zh-CN" altLang="en-US" smtClean="0"/>
               <a:t>‹#›</a:t>
             </a:fld>
@@ -921,7 +921,7 @@
     </p:spTree>
     <p:extLst>
       <p:ext uri="{BB962C8B-B14F-4D97-AF65-F5344CB8AC3E}">
-        <p14:creationId xmlns:p14="http://schemas.microsoft.com/office/powerpoint/2010/main" val="3157256665"/>
+        <p14:creationId xmlns:p14="http://schemas.microsoft.com/office/powerpoint/2010/main" val="2576524852"/>
       </p:ext>
     </p:extLst>
   </p:cSld>
@@ -953,7 +953,7 @@
           <p:cNvPr id="2" name="标题 1">
             <a:extLst>
               <a:ext uri="{FF2B5EF4-FFF2-40B4-BE49-F238E27FC236}">
-                <a16:creationId xmlns:a16="http://schemas.microsoft.com/office/drawing/2014/main" id="{7D16F96F-E1DD-7B9A-1D6B-7202A4B4D7E9}"/>
+                <a16:creationId xmlns:a16="http://schemas.microsoft.com/office/drawing/2014/main" id="{D67B0740-984B-1D84-9D3B-8E20CFF02135}"/>
               </a:ext>
             </a:extLst>
           </p:cNvPr>
@@ -990,7 +990,7 @@
           <p:cNvPr id="3" name="文本占位符 2">
             <a:extLst>
               <a:ext uri="{FF2B5EF4-FFF2-40B4-BE49-F238E27FC236}">
-                <a16:creationId xmlns:a16="http://schemas.microsoft.com/office/drawing/2014/main" id="{B1969198-6537-B9B0-048E-4BC720A9BAB6}"/>
+                <a16:creationId xmlns:a16="http://schemas.microsoft.com/office/drawing/2014/main" id="{CCDB9469-3F3A-658E-AE3A-0855CC7A0149}"/>
               </a:ext>
             </a:extLst>
           </p:cNvPr>
@@ -1115,7 +1115,7 @@
           <p:cNvPr id="4" name="日期占位符 3">
             <a:extLst>
               <a:ext uri="{FF2B5EF4-FFF2-40B4-BE49-F238E27FC236}">
-                <a16:creationId xmlns:a16="http://schemas.microsoft.com/office/drawing/2014/main" id="{5E04678B-715C-1677-C519-FF1FAF16A542}"/>
+                <a16:creationId xmlns:a16="http://schemas.microsoft.com/office/drawing/2014/main" id="{50083906-FF6E-81B5-D95A-0A74F6059C49}"/>
               </a:ext>
             </a:extLst>
           </p:cNvPr>
@@ -1131,7 +1131,7 @@
           <a:bodyPr/>
           <a:lstStyle/>
           <a:p>
-            <a:fld id="{999C8974-4E8A-4702-8BEB-E1F0564C2828}" type="datetimeFigureOut">
+            <a:fld id="{686A59AD-ABDD-406B-9EDD-13C9A8EF1976}" type="datetimeFigureOut">
               <a:rPr lang="zh-CN" altLang="en-US" smtClean="0"/>
               <a:t>2024/3/10</a:t>
             </a:fld>
@@ -1144,7 +1144,7 @@
           <p:cNvPr id="5" name="页脚占位符 4">
             <a:extLst>
               <a:ext uri="{FF2B5EF4-FFF2-40B4-BE49-F238E27FC236}">
-                <a16:creationId xmlns:a16="http://schemas.microsoft.com/office/drawing/2014/main" id="{A236498E-94D5-B315-4EB3-6EAEC1528AEC}"/>
+                <a16:creationId xmlns:a16="http://schemas.microsoft.com/office/drawing/2014/main" id="{CC44B6B7-5C49-A05D-C436-B2E9DB32FA47}"/>
               </a:ext>
             </a:extLst>
           </p:cNvPr>
@@ -1169,7 +1169,7 @@
           <p:cNvPr id="6" name="灯片编号占位符 5">
             <a:extLst>
               <a:ext uri="{FF2B5EF4-FFF2-40B4-BE49-F238E27FC236}">
-                <a16:creationId xmlns:a16="http://schemas.microsoft.com/office/drawing/2014/main" id="{1B0B3E03-9C3A-F2D7-6912-8688EFF5C708}"/>
+                <a16:creationId xmlns:a16="http://schemas.microsoft.com/office/drawing/2014/main" id="{74BC3A78-5E83-3BB0-34A8-6C710B840337}"/>
               </a:ext>
             </a:extLst>
           </p:cNvPr>
@@ -1185,7 +1185,7 @@
           <a:bodyPr/>
           <a:lstStyle/>
           <a:p>
-            <a:fld id="{F0064F1C-CB32-4C26-9F97-E07B67D65450}" type="slidenum">
+            <a:fld id="{A6171E4B-4B4D-4C95-95B8-3BBD5CF2BC15}" type="slidenum">
               <a:rPr lang="zh-CN" altLang="en-US" smtClean="0"/>
               <a:t>‹#›</a:t>
             </a:fld>
@@ -1196,7 +1196,7 @@
     </p:spTree>
     <p:extLst>
       <p:ext uri="{BB962C8B-B14F-4D97-AF65-F5344CB8AC3E}">
-        <p14:creationId xmlns:p14="http://schemas.microsoft.com/office/powerpoint/2010/main" val="2423052718"/>
+        <p14:creationId xmlns:p14="http://schemas.microsoft.com/office/powerpoint/2010/main" val="2830631053"/>
       </p:ext>
     </p:extLst>
   </p:cSld>
@@ -1228,7 +1228,7 @@
           <p:cNvPr id="2" name="标题 1">
             <a:extLst>
               <a:ext uri="{FF2B5EF4-FFF2-40B4-BE49-F238E27FC236}">
-                <a16:creationId xmlns:a16="http://schemas.microsoft.com/office/drawing/2014/main" id="{3EC276D9-56BA-500E-2277-DA84D8E3C6F2}"/>
+                <a16:creationId xmlns:a16="http://schemas.microsoft.com/office/drawing/2014/main" id="{B072EBAD-E4B9-38A7-13C8-126E1BA57B7D}"/>
               </a:ext>
             </a:extLst>
           </p:cNvPr>
@@ -1256,7 +1256,7 @@
           <p:cNvPr id="3" name="内容占位符 2">
             <a:extLst>
               <a:ext uri="{FF2B5EF4-FFF2-40B4-BE49-F238E27FC236}">
-                <a16:creationId xmlns:a16="http://schemas.microsoft.com/office/drawing/2014/main" id="{5D961849-EB06-CB3A-8B66-D16EFCD12ADD}"/>
+                <a16:creationId xmlns:a16="http://schemas.microsoft.com/office/drawing/2014/main" id="{F4104B2D-883D-6D2B-63FB-36AF15B1470A}"/>
               </a:ext>
             </a:extLst>
           </p:cNvPr>
@@ -1318,7 +1318,7 @@
           <p:cNvPr id="4" name="内容占位符 3">
             <a:extLst>
               <a:ext uri="{FF2B5EF4-FFF2-40B4-BE49-F238E27FC236}">
-                <a16:creationId xmlns:a16="http://schemas.microsoft.com/office/drawing/2014/main" id="{64502074-DC7A-A063-1051-4B5D350D1734}"/>
+                <a16:creationId xmlns:a16="http://schemas.microsoft.com/office/drawing/2014/main" id="{6790B855-8055-664E-6FB6-B3E39D563980}"/>
               </a:ext>
             </a:extLst>
           </p:cNvPr>
@@ -1380,7 +1380,7 @@
           <p:cNvPr id="5" name="日期占位符 4">
             <a:extLst>
               <a:ext uri="{FF2B5EF4-FFF2-40B4-BE49-F238E27FC236}">
-                <a16:creationId xmlns:a16="http://schemas.microsoft.com/office/drawing/2014/main" id="{8B349461-8A2E-DE30-4E4F-1A1AEDEC4E30}"/>
+                <a16:creationId xmlns:a16="http://schemas.microsoft.com/office/drawing/2014/main" id="{FAEA7A81-4F33-401E-ACB9-1C1EA7D22C9C}"/>
               </a:ext>
             </a:extLst>
           </p:cNvPr>
@@ -1396,7 +1396,7 @@
           <a:bodyPr/>
           <a:lstStyle/>
           <a:p>
-            <a:fld id="{999C8974-4E8A-4702-8BEB-E1F0564C2828}" type="datetimeFigureOut">
+            <a:fld id="{686A59AD-ABDD-406B-9EDD-13C9A8EF1976}" type="datetimeFigureOut">
               <a:rPr lang="zh-CN" altLang="en-US" smtClean="0"/>
               <a:t>2024/3/10</a:t>
             </a:fld>
@@ -1409,7 +1409,7 @@
           <p:cNvPr id="6" name="页脚占位符 5">
             <a:extLst>
               <a:ext uri="{FF2B5EF4-FFF2-40B4-BE49-F238E27FC236}">
-                <a16:creationId xmlns:a16="http://schemas.microsoft.com/office/drawing/2014/main" id="{157397C7-8E44-C214-ED5F-7749B5EEC9F0}"/>
+                <a16:creationId xmlns:a16="http://schemas.microsoft.com/office/drawing/2014/main" id="{7A1E03FC-D6DF-B1CC-1684-2AA79CAD5BB5}"/>
               </a:ext>
             </a:extLst>
           </p:cNvPr>
@@ -1434,7 +1434,7 @@
           <p:cNvPr id="7" name="灯片编号占位符 6">
             <a:extLst>
               <a:ext uri="{FF2B5EF4-FFF2-40B4-BE49-F238E27FC236}">
-                <a16:creationId xmlns:a16="http://schemas.microsoft.com/office/drawing/2014/main" id="{F91C1BEE-6B45-3C3E-90B3-2B412CF13699}"/>
+                <a16:creationId xmlns:a16="http://schemas.microsoft.com/office/drawing/2014/main" id="{36AEBCF7-487F-CDD8-2337-E0A9DF8BB8F0}"/>
               </a:ext>
             </a:extLst>
           </p:cNvPr>
@@ -1450,7 +1450,7 @@
           <a:bodyPr/>
           <a:lstStyle/>
           <a:p>
-            <a:fld id="{F0064F1C-CB32-4C26-9F97-E07B67D65450}" type="slidenum">
+            <a:fld id="{A6171E4B-4B4D-4C95-95B8-3BBD5CF2BC15}" type="slidenum">
               <a:rPr lang="zh-CN" altLang="en-US" smtClean="0"/>
               <a:t>‹#›</a:t>
             </a:fld>
@@ -1461,7 +1461,7 @@
     </p:spTree>
     <p:extLst>
       <p:ext uri="{BB962C8B-B14F-4D97-AF65-F5344CB8AC3E}">
-        <p14:creationId xmlns:p14="http://schemas.microsoft.com/office/powerpoint/2010/main" val="1552681429"/>
+        <p14:creationId xmlns:p14="http://schemas.microsoft.com/office/powerpoint/2010/main" val="4127468889"/>
       </p:ext>
     </p:extLst>
   </p:cSld>
@@ -1493,7 +1493,7 @@
           <p:cNvPr id="2" name="标题 1">
             <a:extLst>
               <a:ext uri="{FF2B5EF4-FFF2-40B4-BE49-F238E27FC236}">
-                <a16:creationId xmlns:a16="http://schemas.microsoft.com/office/drawing/2014/main" id="{2915B4D3-35A5-586F-E671-F958D7DB1EB1}"/>
+                <a16:creationId xmlns:a16="http://schemas.microsoft.com/office/drawing/2014/main" id="{D4BF8BC8-CBAB-EAFF-C853-1E41B5BBF003}"/>
               </a:ext>
             </a:extLst>
           </p:cNvPr>
@@ -1526,7 +1526,7 @@
           <p:cNvPr id="3" name="文本占位符 2">
             <a:extLst>
               <a:ext uri="{FF2B5EF4-FFF2-40B4-BE49-F238E27FC236}">
-                <a16:creationId xmlns:a16="http://schemas.microsoft.com/office/drawing/2014/main" id="{F21DC925-1BF2-A285-C648-75F4C00A41AA}"/>
+                <a16:creationId xmlns:a16="http://schemas.microsoft.com/office/drawing/2014/main" id="{D17793D8-6AF6-6245-4292-CFEC10EEB2C1}"/>
               </a:ext>
             </a:extLst>
           </p:cNvPr>
@@ -1597,7 +1597,7 @@
           <p:cNvPr id="4" name="内容占位符 3">
             <a:extLst>
               <a:ext uri="{FF2B5EF4-FFF2-40B4-BE49-F238E27FC236}">
-                <a16:creationId xmlns:a16="http://schemas.microsoft.com/office/drawing/2014/main" id="{91ECF1C5-F944-6614-4959-CB68122322D1}"/>
+                <a16:creationId xmlns:a16="http://schemas.microsoft.com/office/drawing/2014/main" id="{A2B676E0-9ECD-EAB1-E9BF-A14CDFE4760C}"/>
               </a:ext>
             </a:extLst>
           </p:cNvPr>
@@ -1659,7 +1659,7 @@
           <p:cNvPr id="5" name="文本占位符 4">
             <a:extLst>
               <a:ext uri="{FF2B5EF4-FFF2-40B4-BE49-F238E27FC236}">
-                <a16:creationId xmlns:a16="http://schemas.microsoft.com/office/drawing/2014/main" id="{175205F8-03E4-7E8C-A6B6-507B3BA71961}"/>
+                <a16:creationId xmlns:a16="http://schemas.microsoft.com/office/drawing/2014/main" id="{9A3AADF0-564C-11EE-33EB-04F7389B465B}"/>
               </a:ext>
             </a:extLst>
           </p:cNvPr>
@@ -1730,7 +1730,7 @@
           <p:cNvPr id="6" name="内容占位符 5">
             <a:extLst>
               <a:ext uri="{FF2B5EF4-FFF2-40B4-BE49-F238E27FC236}">
-                <a16:creationId xmlns:a16="http://schemas.microsoft.com/office/drawing/2014/main" id="{45251F3F-CF17-49BF-A030-34198646C4BE}"/>
+                <a16:creationId xmlns:a16="http://schemas.microsoft.com/office/drawing/2014/main" id="{D003CEAD-F1F2-BB59-B480-0A889C41455E}"/>
               </a:ext>
             </a:extLst>
           </p:cNvPr>
@@ -1792,7 +1792,7 @@
           <p:cNvPr id="7" name="日期占位符 6">
             <a:extLst>
               <a:ext uri="{FF2B5EF4-FFF2-40B4-BE49-F238E27FC236}">
-                <a16:creationId xmlns:a16="http://schemas.microsoft.com/office/drawing/2014/main" id="{DDF0EC55-1358-940B-3414-3A24D49703DF}"/>
+                <a16:creationId xmlns:a16="http://schemas.microsoft.com/office/drawing/2014/main" id="{37702305-1CCD-2C5C-C319-65B04BBC0BFA}"/>
               </a:ext>
             </a:extLst>
           </p:cNvPr>
@@ -1808,7 +1808,7 @@
           <a:bodyPr/>
           <a:lstStyle/>
           <a:p>
-            <a:fld id="{999C8974-4E8A-4702-8BEB-E1F0564C2828}" type="datetimeFigureOut">
+            <a:fld id="{686A59AD-ABDD-406B-9EDD-13C9A8EF1976}" type="datetimeFigureOut">
               <a:rPr lang="zh-CN" altLang="en-US" smtClean="0"/>
               <a:t>2024/3/10</a:t>
             </a:fld>
@@ -1821,7 +1821,7 @@
           <p:cNvPr id="8" name="页脚占位符 7">
             <a:extLst>
               <a:ext uri="{FF2B5EF4-FFF2-40B4-BE49-F238E27FC236}">
-                <a16:creationId xmlns:a16="http://schemas.microsoft.com/office/drawing/2014/main" id="{368DBCEA-413C-3226-9025-95A89A866DE5}"/>
+                <a16:creationId xmlns:a16="http://schemas.microsoft.com/office/drawing/2014/main" id="{746646E1-00F9-23F8-F9B5-5ED349C6935E}"/>
               </a:ext>
             </a:extLst>
           </p:cNvPr>
@@ -1846,7 +1846,7 @@
           <p:cNvPr id="9" name="灯片编号占位符 8">
             <a:extLst>
               <a:ext uri="{FF2B5EF4-FFF2-40B4-BE49-F238E27FC236}">
-                <a16:creationId xmlns:a16="http://schemas.microsoft.com/office/drawing/2014/main" id="{EF8DD31F-668A-174B-4783-A8E9ACB12448}"/>
+                <a16:creationId xmlns:a16="http://schemas.microsoft.com/office/drawing/2014/main" id="{5631BACA-B0D8-D01E-BC40-CA5515257C86}"/>
               </a:ext>
             </a:extLst>
           </p:cNvPr>
@@ -1862,7 +1862,7 @@
           <a:bodyPr/>
           <a:lstStyle/>
           <a:p>
-            <a:fld id="{F0064F1C-CB32-4C26-9F97-E07B67D65450}" type="slidenum">
+            <a:fld id="{A6171E4B-4B4D-4C95-95B8-3BBD5CF2BC15}" type="slidenum">
               <a:rPr lang="zh-CN" altLang="en-US" smtClean="0"/>
               <a:t>‹#›</a:t>
             </a:fld>
@@ -1873,7 +1873,7 @@
     </p:spTree>
     <p:extLst>
       <p:ext uri="{BB962C8B-B14F-4D97-AF65-F5344CB8AC3E}">
-        <p14:creationId xmlns:p14="http://schemas.microsoft.com/office/powerpoint/2010/main" val="113035201"/>
+        <p14:creationId xmlns:p14="http://schemas.microsoft.com/office/powerpoint/2010/main" val="929632543"/>
       </p:ext>
     </p:extLst>
   </p:cSld>
@@ -1905,7 +1905,7 @@
           <p:cNvPr id="2" name="标题 1">
             <a:extLst>
               <a:ext uri="{FF2B5EF4-FFF2-40B4-BE49-F238E27FC236}">
-                <a16:creationId xmlns:a16="http://schemas.microsoft.com/office/drawing/2014/main" id="{F006B37A-6FF3-8502-B745-76A6F11C4571}"/>
+                <a16:creationId xmlns:a16="http://schemas.microsoft.com/office/drawing/2014/main" id="{61A54CB7-6307-C8A2-E431-BCD2EFB7746E}"/>
               </a:ext>
             </a:extLst>
           </p:cNvPr>
@@ -1933,7 +1933,7 @@
           <p:cNvPr id="3" name="日期占位符 2">
             <a:extLst>
               <a:ext uri="{FF2B5EF4-FFF2-40B4-BE49-F238E27FC236}">
-                <a16:creationId xmlns:a16="http://schemas.microsoft.com/office/drawing/2014/main" id="{B2C1D6D8-DDF2-4C10-AFFE-4A20A7235759}"/>
+                <a16:creationId xmlns:a16="http://schemas.microsoft.com/office/drawing/2014/main" id="{E7E9AFE2-5522-70CB-5478-4BD655F07F15}"/>
               </a:ext>
             </a:extLst>
           </p:cNvPr>
@@ -1949,7 +1949,7 @@
           <a:bodyPr/>
           <a:lstStyle/>
           <a:p>
-            <a:fld id="{999C8974-4E8A-4702-8BEB-E1F0564C2828}" type="datetimeFigureOut">
+            <a:fld id="{686A59AD-ABDD-406B-9EDD-13C9A8EF1976}" type="datetimeFigureOut">
               <a:rPr lang="zh-CN" altLang="en-US" smtClean="0"/>
               <a:t>2024/3/10</a:t>
             </a:fld>
@@ -1962,7 +1962,7 @@
           <p:cNvPr id="4" name="页脚占位符 3">
             <a:extLst>
               <a:ext uri="{FF2B5EF4-FFF2-40B4-BE49-F238E27FC236}">
-                <a16:creationId xmlns:a16="http://schemas.microsoft.com/office/drawing/2014/main" id="{30DE2A7C-5B86-C37F-1297-D7531D92B8C6}"/>
+                <a16:creationId xmlns:a16="http://schemas.microsoft.com/office/drawing/2014/main" id="{379FEF79-B463-C097-6015-8F49824C59F0}"/>
               </a:ext>
             </a:extLst>
           </p:cNvPr>
@@ -1987,7 +1987,7 @@
           <p:cNvPr id="5" name="灯片编号占位符 4">
             <a:extLst>
               <a:ext uri="{FF2B5EF4-FFF2-40B4-BE49-F238E27FC236}">
-                <a16:creationId xmlns:a16="http://schemas.microsoft.com/office/drawing/2014/main" id="{79DFB446-0941-C71E-7837-8DD380E9A44B}"/>
+                <a16:creationId xmlns:a16="http://schemas.microsoft.com/office/drawing/2014/main" id="{4F34DB9D-8860-3600-BEA6-E0E503754FE6}"/>
               </a:ext>
             </a:extLst>
           </p:cNvPr>
@@ -2003,7 +2003,7 @@
           <a:bodyPr/>
           <a:lstStyle/>
           <a:p>
-            <a:fld id="{F0064F1C-CB32-4C26-9F97-E07B67D65450}" type="slidenum">
+            <a:fld id="{A6171E4B-4B4D-4C95-95B8-3BBD5CF2BC15}" type="slidenum">
               <a:rPr lang="zh-CN" altLang="en-US" smtClean="0"/>
               <a:t>‹#›</a:t>
             </a:fld>
@@ -2014,7 +2014,7 @@
     </p:spTree>
     <p:extLst>
       <p:ext uri="{BB962C8B-B14F-4D97-AF65-F5344CB8AC3E}">
-        <p14:creationId xmlns:p14="http://schemas.microsoft.com/office/powerpoint/2010/main" val="242892858"/>
+        <p14:creationId xmlns:p14="http://schemas.microsoft.com/office/powerpoint/2010/main" val="3705670811"/>
       </p:ext>
     </p:extLst>
   </p:cSld>
@@ -2046,7 +2046,7 @@
           <p:cNvPr id="2" name="日期占位符 1">
             <a:extLst>
               <a:ext uri="{FF2B5EF4-FFF2-40B4-BE49-F238E27FC236}">
-                <a16:creationId xmlns:a16="http://schemas.microsoft.com/office/drawing/2014/main" id="{DB47FBFD-3DB8-4A32-D8E6-3CA1F1752BA9}"/>
+                <a16:creationId xmlns:a16="http://schemas.microsoft.com/office/drawing/2014/main" id="{FC098C75-1581-5439-62CE-FD8A28474508}"/>
               </a:ext>
             </a:extLst>
           </p:cNvPr>
@@ -2062,7 +2062,7 @@
           <a:bodyPr/>
           <a:lstStyle/>
           <a:p>
-            <a:fld id="{999C8974-4E8A-4702-8BEB-E1F0564C2828}" type="datetimeFigureOut">
+            <a:fld id="{686A59AD-ABDD-406B-9EDD-13C9A8EF1976}" type="datetimeFigureOut">
               <a:rPr lang="zh-CN" altLang="en-US" smtClean="0"/>
               <a:t>2024/3/10</a:t>
             </a:fld>
@@ -2075,7 +2075,7 @@
           <p:cNvPr id="3" name="页脚占位符 2">
             <a:extLst>
               <a:ext uri="{FF2B5EF4-FFF2-40B4-BE49-F238E27FC236}">
-                <a16:creationId xmlns:a16="http://schemas.microsoft.com/office/drawing/2014/main" id="{7A377B4F-540E-BDDA-086B-ED6C029EF638}"/>
+                <a16:creationId xmlns:a16="http://schemas.microsoft.com/office/drawing/2014/main" id="{ED83ADF2-FA48-DF56-5CAF-C7A133BC1EF2}"/>
               </a:ext>
             </a:extLst>
           </p:cNvPr>
@@ -2100,7 +2100,7 @@
           <p:cNvPr id="4" name="灯片编号占位符 3">
             <a:extLst>
               <a:ext uri="{FF2B5EF4-FFF2-40B4-BE49-F238E27FC236}">
-                <a16:creationId xmlns:a16="http://schemas.microsoft.com/office/drawing/2014/main" id="{8E5DAE36-AD5F-BAC8-3245-C942EBD16AC8}"/>
+                <a16:creationId xmlns:a16="http://schemas.microsoft.com/office/drawing/2014/main" id="{ED51B5D0-88A7-F4BF-71D5-24D66A680D4C}"/>
               </a:ext>
             </a:extLst>
           </p:cNvPr>
@@ -2116,7 +2116,7 @@
           <a:bodyPr/>
           <a:lstStyle/>
           <a:p>
-            <a:fld id="{F0064F1C-CB32-4C26-9F97-E07B67D65450}" type="slidenum">
+            <a:fld id="{A6171E4B-4B4D-4C95-95B8-3BBD5CF2BC15}" type="slidenum">
               <a:rPr lang="zh-CN" altLang="en-US" smtClean="0"/>
               <a:t>‹#›</a:t>
             </a:fld>
@@ -2127,7 +2127,7 @@
     </p:spTree>
     <p:extLst>
       <p:ext uri="{BB962C8B-B14F-4D97-AF65-F5344CB8AC3E}">
-        <p14:creationId xmlns:p14="http://schemas.microsoft.com/office/powerpoint/2010/main" val="808568694"/>
+        <p14:creationId xmlns:p14="http://schemas.microsoft.com/office/powerpoint/2010/main" val="285074083"/>
       </p:ext>
     </p:extLst>
   </p:cSld>
@@ -2159,7 +2159,7 @@
           <p:cNvPr id="2" name="标题 1">
             <a:extLst>
               <a:ext uri="{FF2B5EF4-FFF2-40B4-BE49-F238E27FC236}">
-                <a16:creationId xmlns:a16="http://schemas.microsoft.com/office/drawing/2014/main" id="{8D810023-4FFD-E929-A4EB-1687BF81D596}"/>
+                <a16:creationId xmlns:a16="http://schemas.microsoft.com/office/drawing/2014/main" id="{C64BA2BF-88F7-DF5C-1924-5BDDC4CB9B15}"/>
               </a:ext>
             </a:extLst>
           </p:cNvPr>
@@ -2196,7 +2196,7 @@
           <p:cNvPr id="3" name="内容占位符 2">
             <a:extLst>
               <a:ext uri="{FF2B5EF4-FFF2-40B4-BE49-F238E27FC236}">
-                <a16:creationId xmlns:a16="http://schemas.microsoft.com/office/drawing/2014/main" id="{192A87F1-9575-1885-A8A4-9D8C0C7AEDF8}"/>
+                <a16:creationId xmlns:a16="http://schemas.microsoft.com/office/drawing/2014/main" id="{16400FF7-10B5-28B7-F2E6-085031899DD2}"/>
               </a:ext>
             </a:extLst>
           </p:cNvPr>
@@ -2286,7 +2286,7 @@
           <p:cNvPr id="4" name="文本占位符 3">
             <a:extLst>
               <a:ext uri="{FF2B5EF4-FFF2-40B4-BE49-F238E27FC236}">
-                <a16:creationId xmlns:a16="http://schemas.microsoft.com/office/drawing/2014/main" id="{DA407510-E903-99AB-8EA7-BEDB30F23E80}"/>
+                <a16:creationId xmlns:a16="http://schemas.microsoft.com/office/drawing/2014/main" id="{26EE827A-9A19-3202-1157-F01DA5504047}"/>
               </a:ext>
             </a:extLst>
           </p:cNvPr>
@@ -2357,7 +2357,7 @@
           <p:cNvPr id="5" name="日期占位符 4">
             <a:extLst>
               <a:ext uri="{FF2B5EF4-FFF2-40B4-BE49-F238E27FC236}">
-                <a16:creationId xmlns:a16="http://schemas.microsoft.com/office/drawing/2014/main" id="{E8D01BD6-4631-8355-61FE-28F7B9448776}"/>
+                <a16:creationId xmlns:a16="http://schemas.microsoft.com/office/drawing/2014/main" id="{4D32ADBA-13AB-3337-C112-2C789AE4A722}"/>
               </a:ext>
             </a:extLst>
           </p:cNvPr>
@@ -2373,7 +2373,7 @@
           <a:bodyPr/>
           <a:lstStyle/>
           <a:p>
-            <a:fld id="{999C8974-4E8A-4702-8BEB-E1F0564C2828}" type="datetimeFigureOut">
+            <a:fld id="{686A59AD-ABDD-406B-9EDD-13C9A8EF1976}" type="datetimeFigureOut">
               <a:rPr lang="zh-CN" altLang="en-US" smtClean="0"/>
               <a:t>2024/3/10</a:t>
             </a:fld>
@@ -2386,7 +2386,7 @@
           <p:cNvPr id="6" name="页脚占位符 5">
             <a:extLst>
               <a:ext uri="{FF2B5EF4-FFF2-40B4-BE49-F238E27FC236}">
-                <a16:creationId xmlns:a16="http://schemas.microsoft.com/office/drawing/2014/main" id="{B09552EF-B93C-86C6-3DF4-B977A68AFAC1}"/>
+                <a16:creationId xmlns:a16="http://schemas.microsoft.com/office/drawing/2014/main" id="{75E041CF-D4F7-8D12-9173-300C193953F2}"/>
               </a:ext>
             </a:extLst>
           </p:cNvPr>
@@ -2411,7 +2411,7 @@
           <p:cNvPr id="7" name="灯片编号占位符 6">
             <a:extLst>
               <a:ext uri="{FF2B5EF4-FFF2-40B4-BE49-F238E27FC236}">
-                <a16:creationId xmlns:a16="http://schemas.microsoft.com/office/drawing/2014/main" id="{10AFE2F7-C1DA-C944-4235-9B140E601D8D}"/>
+                <a16:creationId xmlns:a16="http://schemas.microsoft.com/office/drawing/2014/main" id="{DF32C0ED-559E-EF40-DFD3-3FC23F3AC8A5}"/>
               </a:ext>
             </a:extLst>
           </p:cNvPr>
@@ -2427,7 +2427,7 @@
           <a:bodyPr/>
           <a:lstStyle/>
           <a:p>
-            <a:fld id="{F0064F1C-CB32-4C26-9F97-E07B67D65450}" type="slidenum">
+            <a:fld id="{A6171E4B-4B4D-4C95-95B8-3BBD5CF2BC15}" type="slidenum">
               <a:rPr lang="zh-CN" altLang="en-US" smtClean="0"/>
               <a:t>‹#›</a:t>
             </a:fld>
@@ -2438,7 +2438,7 @@
     </p:spTree>
     <p:extLst>
       <p:ext uri="{BB962C8B-B14F-4D97-AF65-F5344CB8AC3E}">
-        <p14:creationId xmlns:p14="http://schemas.microsoft.com/office/powerpoint/2010/main" val="2107711850"/>
+        <p14:creationId xmlns:p14="http://schemas.microsoft.com/office/powerpoint/2010/main" val="2815254783"/>
       </p:ext>
     </p:extLst>
   </p:cSld>
@@ -2470,7 +2470,7 @@
           <p:cNvPr id="2" name="标题 1">
             <a:extLst>
               <a:ext uri="{FF2B5EF4-FFF2-40B4-BE49-F238E27FC236}">
-                <a16:creationId xmlns:a16="http://schemas.microsoft.com/office/drawing/2014/main" id="{EE7DC190-E069-0D20-4FEC-87769334BBE1}"/>
+                <a16:creationId xmlns:a16="http://schemas.microsoft.com/office/drawing/2014/main" id="{ABF4A952-653A-860D-260C-24857581D9BF}"/>
               </a:ext>
             </a:extLst>
           </p:cNvPr>
@@ -2507,7 +2507,7 @@
           <p:cNvPr id="3" name="图片占位符 2">
             <a:extLst>
               <a:ext uri="{FF2B5EF4-FFF2-40B4-BE49-F238E27FC236}">
-                <a16:creationId xmlns:a16="http://schemas.microsoft.com/office/drawing/2014/main" id="{A832FF07-C02B-04E5-D8DC-38F494C4E7E0}"/>
+                <a16:creationId xmlns:a16="http://schemas.microsoft.com/office/drawing/2014/main" id="{884A77FE-36BF-0C3E-59D8-C5942835B638}"/>
               </a:ext>
             </a:extLst>
           </p:cNvPr>
@@ -2574,7 +2574,7 @@
           <p:cNvPr id="4" name="文本占位符 3">
             <a:extLst>
               <a:ext uri="{FF2B5EF4-FFF2-40B4-BE49-F238E27FC236}">
-                <a16:creationId xmlns:a16="http://schemas.microsoft.com/office/drawing/2014/main" id="{F4FB1BA2-E2B0-2D99-A290-28A65069A7C2}"/>
+                <a16:creationId xmlns:a16="http://schemas.microsoft.com/office/drawing/2014/main" id="{57293D57-002E-50AC-ED21-69399D110429}"/>
               </a:ext>
             </a:extLst>
           </p:cNvPr>
@@ -2645,7 +2645,7 @@
           <p:cNvPr id="5" name="日期占位符 4">
             <a:extLst>
               <a:ext uri="{FF2B5EF4-FFF2-40B4-BE49-F238E27FC236}">
-                <a16:creationId xmlns:a16="http://schemas.microsoft.com/office/drawing/2014/main" id="{18F1FAEC-DBFE-103E-E031-AE916CC15BC0}"/>
+                <a16:creationId xmlns:a16="http://schemas.microsoft.com/office/drawing/2014/main" id="{5B9CF416-FD3F-2E70-C91F-8FDB7F272602}"/>
               </a:ext>
             </a:extLst>
           </p:cNvPr>
@@ -2661,7 +2661,7 @@
           <a:bodyPr/>
           <a:lstStyle/>
           <a:p>
-            <a:fld id="{999C8974-4E8A-4702-8BEB-E1F0564C2828}" type="datetimeFigureOut">
+            <a:fld id="{686A59AD-ABDD-406B-9EDD-13C9A8EF1976}" type="datetimeFigureOut">
               <a:rPr lang="zh-CN" altLang="en-US" smtClean="0"/>
               <a:t>2024/3/10</a:t>
             </a:fld>
@@ -2674,7 +2674,7 @@
           <p:cNvPr id="6" name="页脚占位符 5">
             <a:extLst>
               <a:ext uri="{FF2B5EF4-FFF2-40B4-BE49-F238E27FC236}">
-                <a16:creationId xmlns:a16="http://schemas.microsoft.com/office/drawing/2014/main" id="{719F93CE-9A59-2777-53CF-222E6FD81454}"/>
+                <a16:creationId xmlns:a16="http://schemas.microsoft.com/office/drawing/2014/main" id="{1280B695-98C7-D2EE-8D62-F0CC32F5E2A9}"/>
               </a:ext>
             </a:extLst>
           </p:cNvPr>
@@ -2699,7 +2699,7 @@
           <p:cNvPr id="7" name="灯片编号占位符 6">
             <a:extLst>
               <a:ext uri="{FF2B5EF4-FFF2-40B4-BE49-F238E27FC236}">
-                <a16:creationId xmlns:a16="http://schemas.microsoft.com/office/drawing/2014/main" id="{B5A68DA4-0984-FEE8-1F3B-DC823FEB5E71}"/>
+                <a16:creationId xmlns:a16="http://schemas.microsoft.com/office/drawing/2014/main" id="{A93BCC7A-6ED7-4097-A25C-4C2C92CE5CF3}"/>
               </a:ext>
             </a:extLst>
           </p:cNvPr>
@@ -2715,7 +2715,7 @@
           <a:bodyPr/>
           <a:lstStyle/>
           <a:p>
-            <a:fld id="{F0064F1C-CB32-4C26-9F97-E07B67D65450}" type="slidenum">
+            <a:fld id="{A6171E4B-4B4D-4C95-95B8-3BBD5CF2BC15}" type="slidenum">
               <a:rPr lang="zh-CN" altLang="en-US" smtClean="0"/>
               <a:t>‹#›</a:t>
             </a:fld>
@@ -2726,7 +2726,7 @@
     </p:spTree>
     <p:extLst>
       <p:ext uri="{BB962C8B-B14F-4D97-AF65-F5344CB8AC3E}">
-        <p14:creationId xmlns:p14="http://schemas.microsoft.com/office/powerpoint/2010/main" val="1427782167"/>
+        <p14:creationId xmlns:p14="http://schemas.microsoft.com/office/powerpoint/2010/main" val="62528695"/>
       </p:ext>
     </p:extLst>
   </p:cSld>
@@ -2763,7 +2763,7 @@
           <p:cNvPr id="2" name="标题占位符 1">
             <a:extLst>
               <a:ext uri="{FF2B5EF4-FFF2-40B4-BE49-F238E27FC236}">
-                <a16:creationId xmlns:a16="http://schemas.microsoft.com/office/drawing/2014/main" id="{F8FF463B-CF4A-35BE-4A01-E646F1F6A035}"/>
+                <a16:creationId xmlns:a16="http://schemas.microsoft.com/office/drawing/2014/main" id="{81D8937A-8000-5EC6-E747-AFDDBFB9B6BC}"/>
               </a:ext>
             </a:extLst>
           </p:cNvPr>
@@ -2801,7 +2801,7 @@
           <p:cNvPr id="3" name="文本占位符 2">
             <a:extLst>
               <a:ext uri="{FF2B5EF4-FFF2-40B4-BE49-F238E27FC236}">
-                <a16:creationId xmlns:a16="http://schemas.microsoft.com/office/drawing/2014/main" id="{709941BE-AB9B-7CDA-1F2C-EF9C3C70ABF6}"/>
+                <a16:creationId xmlns:a16="http://schemas.microsoft.com/office/drawing/2014/main" id="{F1B85F4B-C7FD-7A01-1C7B-00AF1D132469}"/>
               </a:ext>
             </a:extLst>
           </p:cNvPr>
@@ -2868,7 +2868,7 @@
           <p:cNvPr id="4" name="日期占位符 3">
             <a:extLst>
               <a:ext uri="{FF2B5EF4-FFF2-40B4-BE49-F238E27FC236}">
-                <a16:creationId xmlns:a16="http://schemas.microsoft.com/office/drawing/2014/main" id="{05D5F5A6-83E7-6DCE-F7DA-D2495F7BBCD1}"/>
+                <a16:creationId xmlns:a16="http://schemas.microsoft.com/office/drawing/2014/main" id="{D888C959-FD6B-8AFE-51EB-AD5FA0BA9504}"/>
               </a:ext>
             </a:extLst>
           </p:cNvPr>
@@ -2902,7 +2902,7 @@
             </a:lvl1pPr>
           </a:lstStyle>
           <a:p>
-            <a:fld id="{999C8974-4E8A-4702-8BEB-E1F0564C2828}" type="datetimeFigureOut">
+            <a:fld id="{686A59AD-ABDD-406B-9EDD-13C9A8EF1976}" type="datetimeFigureOut">
               <a:rPr lang="zh-CN" altLang="en-US" smtClean="0"/>
               <a:t>2024/3/10</a:t>
             </a:fld>
@@ -2915,7 +2915,7 @@
           <p:cNvPr id="5" name="页脚占位符 4">
             <a:extLst>
               <a:ext uri="{FF2B5EF4-FFF2-40B4-BE49-F238E27FC236}">
-                <a16:creationId xmlns:a16="http://schemas.microsoft.com/office/drawing/2014/main" id="{D8534BF7-8AEC-8AD5-52CB-A600776C0239}"/>
+                <a16:creationId xmlns:a16="http://schemas.microsoft.com/office/drawing/2014/main" id="{251D0B2B-33EF-ABA9-C529-68F223185A55}"/>
               </a:ext>
             </a:extLst>
           </p:cNvPr>
@@ -2958,7 +2958,7 @@
           <p:cNvPr id="6" name="灯片编号占位符 5">
             <a:extLst>
               <a:ext uri="{FF2B5EF4-FFF2-40B4-BE49-F238E27FC236}">
-                <a16:creationId xmlns:a16="http://schemas.microsoft.com/office/drawing/2014/main" id="{629EEF2D-18B1-2695-1825-538E1577A49D}"/>
+                <a16:creationId xmlns:a16="http://schemas.microsoft.com/office/drawing/2014/main" id="{C887AF3B-1677-99CD-6615-BEC5A6B2ED69}"/>
               </a:ext>
             </a:extLst>
           </p:cNvPr>
@@ -2992,7 +2992,7 @@
             </a:lvl1pPr>
           </a:lstStyle>
           <a:p>
-            <a:fld id="{F0064F1C-CB32-4C26-9F97-E07B67D65450}" type="slidenum">
+            <a:fld id="{A6171E4B-4B4D-4C95-95B8-3BBD5CF2BC15}" type="slidenum">
               <a:rPr lang="zh-CN" altLang="en-US" smtClean="0"/>
               <a:t>‹#›</a:t>
             </a:fld>
@@ -3003,7 +3003,7 @@
     </p:spTree>
     <p:extLst>
       <p:ext uri="{BB962C8B-B14F-4D97-AF65-F5344CB8AC3E}">
-        <p14:creationId xmlns:p14="http://schemas.microsoft.com/office/powerpoint/2010/main" val="3997420693"/>
+        <p14:creationId xmlns:p14="http://schemas.microsoft.com/office/powerpoint/2010/main" val="1975348189"/>
       </p:ext>
     </p:extLst>
   </p:cSld>
